--- a/Presentation1.pptx
+++ b/Presentation1.pptx
@@ -104,6 +104,22 @@
       </a:defRPr>
     </a:lvl9pPr>
   </p:defaultTextStyle>
+  <p:extLst>
+    <p:ext uri="{EFAFB233-063F-42B5-8137-9DF3F51BA10A}">
+      <p15:sldGuideLst xmlns:p15="http://schemas.microsoft.com/office/powerpoint/2012/main">
+        <p15:guide id="1" orient="horz" pos="2160">
+          <p15:clr>
+            <a:srgbClr val="A4A3A4"/>
+          </p15:clr>
+        </p15:guide>
+        <p15:guide id="2" pos="2880">
+          <p15:clr>
+            <a:srgbClr val="A4A3A4"/>
+          </p15:clr>
+        </p15:guide>
+      </p15:sldGuideLst>
+    </p:ext>
+  </p:extLst>
 </p:presentation>
 </file>
 
@@ -145,10 +161,9 @@
           <a:lstStyle/>
           <a:p>
             <a:r>
-              <a:rPr lang="en-US" smtClean="0"/>
+              <a:rPr lang="en-US"/>
               <a:t>Click to edit Master title style</a:t>
             </a:r>
-            <a:endParaRPr lang="en-US"/>
           </a:p>
         </p:txBody>
       </p:sp>
@@ -264,10 +279,9 @@
           </a:lstStyle>
           <a:p>
             <a:r>
-              <a:rPr lang="en-US" smtClean="0"/>
+              <a:rPr lang="en-US"/>
               <a:t>Click to edit Master subtitle style</a:t>
             </a:r>
-            <a:endParaRPr lang="en-US"/>
           </a:p>
         </p:txBody>
       </p:sp>
@@ -382,10 +396,9 @@
           <a:lstStyle/>
           <a:p>
             <a:r>
-              <a:rPr lang="en-US" smtClean="0"/>
+              <a:rPr lang="en-US"/>
               <a:t>Click to edit Master title style</a:t>
             </a:r>
-            <a:endParaRPr lang="en-US"/>
           </a:p>
         </p:txBody>
       </p:sp>
@@ -406,38 +419,37 @@
           <a:p>
             <a:pPr lvl="0"/>
             <a:r>
-              <a:rPr lang="en-US" smtClean="0"/>
+              <a:rPr lang="en-US"/>
               <a:t>Click to edit Master text styles</a:t>
             </a:r>
           </a:p>
           <a:p>
             <a:pPr lvl="1"/>
             <a:r>
-              <a:rPr lang="en-US" smtClean="0"/>
+              <a:rPr lang="en-US"/>
               <a:t>Second level</a:t>
             </a:r>
           </a:p>
           <a:p>
             <a:pPr lvl="2"/>
             <a:r>
-              <a:rPr lang="en-US" smtClean="0"/>
+              <a:rPr lang="en-US"/>
               <a:t>Third level</a:t>
             </a:r>
           </a:p>
           <a:p>
             <a:pPr lvl="3"/>
             <a:r>
-              <a:rPr lang="en-US" smtClean="0"/>
+              <a:rPr lang="en-US"/>
               <a:t>Fourth level</a:t>
             </a:r>
           </a:p>
           <a:p>
             <a:pPr lvl="4"/>
             <a:r>
-              <a:rPr lang="en-US" smtClean="0"/>
+              <a:rPr lang="en-US"/>
               <a:t>Fifth level</a:t>
             </a:r>
-            <a:endParaRPr lang="en-US"/>
           </a:p>
         </p:txBody>
       </p:sp>
@@ -557,10 +569,9 @@
           <a:lstStyle/>
           <a:p>
             <a:r>
-              <a:rPr lang="en-US" smtClean="0"/>
+              <a:rPr lang="en-US"/>
               <a:t>Click to edit Master title style</a:t>
             </a:r>
-            <a:endParaRPr lang="en-US"/>
           </a:p>
         </p:txBody>
       </p:sp>
@@ -586,38 +597,37 @@
           <a:p>
             <a:pPr lvl="0"/>
             <a:r>
-              <a:rPr lang="en-US" smtClean="0"/>
+              <a:rPr lang="en-US"/>
               <a:t>Click to edit Master text styles</a:t>
             </a:r>
           </a:p>
           <a:p>
             <a:pPr lvl="1"/>
             <a:r>
-              <a:rPr lang="en-US" smtClean="0"/>
+              <a:rPr lang="en-US"/>
               <a:t>Second level</a:t>
             </a:r>
           </a:p>
           <a:p>
             <a:pPr lvl="2"/>
             <a:r>
-              <a:rPr lang="en-US" smtClean="0"/>
+              <a:rPr lang="en-US"/>
               <a:t>Third level</a:t>
             </a:r>
           </a:p>
           <a:p>
             <a:pPr lvl="3"/>
             <a:r>
-              <a:rPr lang="en-US" smtClean="0"/>
+              <a:rPr lang="en-US"/>
               <a:t>Fourth level</a:t>
             </a:r>
           </a:p>
           <a:p>
             <a:pPr lvl="4"/>
             <a:r>
-              <a:rPr lang="en-US" smtClean="0"/>
+              <a:rPr lang="en-US"/>
               <a:t>Fifth level</a:t>
             </a:r>
-            <a:endParaRPr lang="en-US"/>
           </a:p>
         </p:txBody>
       </p:sp>
@@ -732,10 +742,9 @@
           <a:lstStyle/>
           <a:p>
             <a:r>
-              <a:rPr lang="en-US" smtClean="0"/>
+              <a:rPr lang="en-US"/>
               <a:t>Click to edit Master title style</a:t>
             </a:r>
-            <a:endParaRPr lang="en-US"/>
           </a:p>
         </p:txBody>
       </p:sp>
@@ -756,38 +765,37 @@
           <a:p>
             <a:pPr lvl="0"/>
             <a:r>
-              <a:rPr lang="en-US" smtClean="0"/>
+              <a:rPr lang="en-US"/>
               <a:t>Click to edit Master text styles</a:t>
             </a:r>
           </a:p>
           <a:p>
             <a:pPr lvl="1"/>
             <a:r>
-              <a:rPr lang="en-US" smtClean="0"/>
+              <a:rPr lang="en-US"/>
               <a:t>Second level</a:t>
             </a:r>
           </a:p>
           <a:p>
             <a:pPr lvl="2"/>
             <a:r>
-              <a:rPr lang="en-US" smtClean="0"/>
+              <a:rPr lang="en-US"/>
               <a:t>Third level</a:t>
             </a:r>
           </a:p>
           <a:p>
             <a:pPr lvl="3"/>
             <a:r>
-              <a:rPr lang="en-US" smtClean="0"/>
+              <a:rPr lang="en-US"/>
               <a:t>Fourth level</a:t>
             </a:r>
           </a:p>
           <a:p>
             <a:pPr lvl="4"/>
             <a:r>
-              <a:rPr lang="en-US" smtClean="0"/>
+              <a:rPr lang="en-US"/>
               <a:t>Fifth level</a:t>
             </a:r>
-            <a:endParaRPr lang="en-US"/>
           </a:p>
         </p:txBody>
       </p:sp>
@@ -911,10 +919,9 @@
           </a:lstStyle>
           <a:p>
             <a:r>
-              <a:rPr lang="en-US" smtClean="0"/>
+              <a:rPr lang="en-US"/>
               <a:t>Click to edit Master title style</a:t>
             </a:r>
-            <a:endParaRPr lang="en-US"/>
           </a:p>
         </p:txBody>
       </p:sp>
@@ -1031,7 +1038,7 @@
           <a:p>
             <a:pPr lvl="0"/>
             <a:r>
-              <a:rPr lang="en-US" smtClean="0"/>
+              <a:rPr lang="en-US"/>
               <a:t>Click to edit Master text styles</a:t>
             </a:r>
           </a:p>
@@ -1148,10 +1155,9 @@
           <a:lstStyle/>
           <a:p>
             <a:r>
-              <a:rPr lang="en-US" smtClean="0"/>
+              <a:rPr lang="en-US"/>
               <a:t>Click to edit Master title style</a:t>
             </a:r>
-            <a:endParaRPr lang="en-US"/>
           </a:p>
         </p:txBody>
       </p:sp>
@@ -1205,38 +1211,37 @@
           <a:p>
             <a:pPr lvl="0"/>
             <a:r>
-              <a:rPr lang="en-US" smtClean="0"/>
+              <a:rPr lang="en-US"/>
               <a:t>Click to edit Master text styles</a:t>
             </a:r>
           </a:p>
           <a:p>
             <a:pPr lvl="1"/>
             <a:r>
-              <a:rPr lang="en-US" smtClean="0"/>
+              <a:rPr lang="en-US"/>
               <a:t>Second level</a:t>
             </a:r>
           </a:p>
           <a:p>
             <a:pPr lvl="2"/>
             <a:r>
-              <a:rPr lang="en-US" smtClean="0"/>
+              <a:rPr lang="en-US"/>
               <a:t>Third level</a:t>
             </a:r>
           </a:p>
           <a:p>
             <a:pPr lvl="3"/>
             <a:r>
-              <a:rPr lang="en-US" smtClean="0"/>
+              <a:rPr lang="en-US"/>
               <a:t>Fourth level</a:t>
             </a:r>
           </a:p>
           <a:p>
             <a:pPr lvl="4"/>
             <a:r>
-              <a:rPr lang="en-US" smtClean="0"/>
+              <a:rPr lang="en-US"/>
               <a:t>Fifth level</a:t>
             </a:r>
-            <a:endParaRPr lang="en-US"/>
           </a:p>
         </p:txBody>
       </p:sp>
@@ -1290,38 +1295,37 @@
           <a:p>
             <a:pPr lvl="0"/>
             <a:r>
-              <a:rPr lang="en-US" smtClean="0"/>
+              <a:rPr lang="en-US"/>
               <a:t>Click to edit Master text styles</a:t>
             </a:r>
           </a:p>
           <a:p>
             <a:pPr lvl="1"/>
             <a:r>
-              <a:rPr lang="en-US" smtClean="0"/>
+              <a:rPr lang="en-US"/>
               <a:t>Second level</a:t>
             </a:r>
           </a:p>
           <a:p>
             <a:pPr lvl="2"/>
             <a:r>
-              <a:rPr lang="en-US" smtClean="0"/>
+              <a:rPr lang="en-US"/>
               <a:t>Third level</a:t>
             </a:r>
           </a:p>
           <a:p>
             <a:pPr lvl="3"/>
             <a:r>
-              <a:rPr lang="en-US" smtClean="0"/>
+              <a:rPr lang="en-US"/>
               <a:t>Fourth level</a:t>
             </a:r>
           </a:p>
           <a:p>
             <a:pPr lvl="4"/>
             <a:r>
-              <a:rPr lang="en-US" smtClean="0"/>
+              <a:rPr lang="en-US"/>
               <a:t>Fifth level</a:t>
             </a:r>
-            <a:endParaRPr lang="en-US"/>
           </a:p>
         </p:txBody>
       </p:sp>
@@ -1440,10 +1444,9 @@
           </a:lstStyle>
           <a:p>
             <a:r>
-              <a:rPr lang="en-US" smtClean="0"/>
+              <a:rPr lang="en-US"/>
               <a:t>Click to edit Master title style</a:t>
             </a:r>
-            <a:endParaRPr lang="en-US"/>
           </a:p>
         </p:txBody>
       </p:sp>
@@ -1506,7 +1509,7 @@
           <a:p>
             <a:pPr lvl="0"/>
             <a:r>
-              <a:rPr lang="en-US" smtClean="0"/>
+              <a:rPr lang="en-US"/>
               <a:t>Click to edit Master text styles</a:t>
             </a:r>
           </a:p>
@@ -1562,38 +1565,37 @@
           <a:p>
             <a:pPr lvl="0"/>
             <a:r>
-              <a:rPr lang="en-US" smtClean="0"/>
+              <a:rPr lang="en-US"/>
               <a:t>Click to edit Master text styles</a:t>
             </a:r>
           </a:p>
           <a:p>
             <a:pPr lvl="1"/>
             <a:r>
-              <a:rPr lang="en-US" smtClean="0"/>
+              <a:rPr lang="en-US"/>
               <a:t>Second level</a:t>
             </a:r>
           </a:p>
           <a:p>
             <a:pPr lvl="2"/>
             <a:r>
-              <a:rPr lang="en-US" smtClean="0"/>
+              <a:rPr lang="en-US"/>
               <a:t>Third level</a:t>
             </a:r>
           </a:p>
           <a:p>
             <a:pPr lvl="3"/>
             <a:r>
-              <a:rPr lang="en-US" smtClean="0"/>
+              <a:rPr lang="en-US"/>
               <a:t>Fourth level</a:t>
             </a:r>
           </a:p>
           <a:p>
             <a:pPr lvl="4"/>
             <a:r>
-              <a:rPr lang="en-US" smtClean="0"/>
+              <a:rPr lang="en-US"/>
               <a:t>Fifth level</a:t>
             </a:r>
-            <a:endParaRPr lang="en-US"/>
           </a:p>
         </p:txBody>
       </p:sp>
@@ -1656,7 +1658,7 @@
           <a:p>
             <a:pPr lvl="0"/>
             <a:r>
-              <a:rPr lang="en-US" smtClean="0"/>
+              <a:rPr lang="en-US"/>
               <a:t>Click to edit Master text styles</a:t>
             </a:r>
           </a:p>
@@ -1712,38 +1714,37 @@
           <a:p>
             <a:pPr lvl="0"/>
             <a:r>
-              <a:rPr lang="en-US" smtClean="0"/>
+              <a:rPr lang="en-US"/>
               <a:t>Click to edit Master text styles</a:t>
             </a:r>
           </a:p>
           <a:p>
             <a:pPr lvl="1"/>
             <a:r>
-              <a:rPr lang="en-US" smtClean="0"/>
+              <a:rPr lang="en-US"/>
               <a:t>Second level</a:t>
             </a:r>
           </a:p>
           <a:p>
             <a:pPr lvl="2"/>
             <a:r>
-              <a:rPr lang="en-US" smtClean="0"/>
+              <a:rPr lang="en-US"/>
               <a:t>Third level</a:t>
             </a:r>
           </a:p>
           <a:p>
             <a:pPr lvl="3"/>
             <a:r>
-              <a:rPr lang="en-US" smtClean="0"/>
+              <a:rPr lang="en-US"/>
               <a:t>Fourth level</a:t>
             </a:r>
           </a:p>
           <a:p>
             <a:pPr lvl="4"/>
             <a:r>
-              <a:rPr lang="en-US" smtClean="0"/>
+              <a:rPr lang="en-US"/>
               <a:t>Fifth level</a:t>
             </a:r>
-            <a:endParaRPr lang="en-US"/>
           </a:p>
         </p:txBody>
       </p:sp>
@@ -1858,10 +1859,9 @@
           <a:lstStyle/>
           <a:p>
             <a:r>
-              <a:rPr lang="en-US" smtClean="0"/>
+              <a:rPr lang="en-US"/>
               <a:t>Click to edit Master title style</a:t>
             </a:r>
-            <a:endParaRPr lang="en-US"/>
           </a:p>
         </p:txBody>
       </p:sp>
@@ -2080,10 +2080,9 @@
           </a:lstStyle>
           <a:p>
             <a:r>
-              <a:rPr lang="en-US" smtClean="0"/>
+              <a:rPr lang="en-US"/>
               <a:t>Click to edit Master title style</a:t>
             </a:r>
-            <a:endParaRPr lang="en-US"/>
           </a:p>
         </p:txBody>
       </p:sp>
@@ -2137,38 +2136,37 @@
           <a:p>
             <a:pPr lvl="0"/>
             <a:r>
-              <a:rPr lang="en-US" smtClean="0"/>
+              <a:rPr lang="en-US"/>
               <a:t>Click to edit Master text styles</a:t>
             </a:r>
           </a:p>
           <a:p>
             <a:pPr lvl="1"/>
             <a:r>
-              <a:rPr lang="en-US" smtClean="0"/>
+              <a:rPr lang="en-US"/>
               <a:t>Second level</a:t>
             </a:r>
           </a:p>
           <a:p>
             <a:pPr lvl="2"/>
             <a:r>
-              <a:rPr lang="en-US" smtClean="0"/>
+              <a:rPr lang="en-US"/>
               <a:t>Third level</a:t>
             </a:r>
           </a:p>
           <a:p>
             <a:pPr lvl="3"/>
             <a:r>
-              <a:rPr lang="en-US" smtClean="0"/>
+              <a:rPr lang="en-US"/>
               <a:t>Fourth level</a:t>
             </a:r>
           </a:p>
           <a:p>
             <a:pPr lvl="4"/>
             <a:r>
-              <a:rPr lang="en-US" smtClean="0"/>
+              <a:rPr lang="en-US"/>
               <a:t>Fifth level</a:t>
             </a:r>
-            <a:endParaRPr lang="en-US"/>
           </a:p>
         </p:txBody>
       </p:sp>
@@ -2231,7 +2229,7 @@
           <a:p>
             <a:pPr lvl="0"/>
             <a:r>
-              <a:rPr lang="en-US" smtClean="0"/>
+              <a:rPr lang="en-US"/>
               <a:t>Click to edit Master text styles</a:t>
             </a:r>
           </a:p>
@@ -2357,10 +2355,9 @@
           </a:lstStyle>
           <a:p>
             <a:r>
-              <a:rPr lang="en-US" smtClean="0"/>
+              <a:rPr lang="en-US"/>
               <a:t>Click to edit Master title style</a:t>
             </a:r>
-            <a:endParaRPr lang="en-US"/>
           </a:p>
         </p:txBody>
       </p:sp>
@@ -2484,7 +2481,7 @@
           <a:p>
             <a:pPr lvl="0"/>
             <a:r>
-              <a:rPr lang="en-US" smtClean="0"/>
+              <a:rPr lang="en-US"/>
               <a:t>Click to edit Master text styles</a:t>
             </a:r>
           </a:p>
@@ -2616,10 +2613,9 @@
           <a:lstStyle/>
           <a:p>
             <a:r>
-              <a:rPr lang="en-US" smtClean="0"/>
+              <a:rPr lang="en-US"/>
               <a:t>Click to edit Master title style</a:t>
             </a:r>
-            <a:endParaRPr lang="en-US"/>
           </a:p>
         </p:txBody>
       </p:sp>
@@ -2650,38 +2646,37 @@
           <a:p>
             <a:pPr lvl="0"/>
             <a:r>
-              <a:rPr lang="en-US" smtClean="0"/>
+              <a:rPr lang="en-US"/>
               <a:t>Click to edit Master text styles</a:t>
             </a:r>
           </a:p>
           <a:p>
             <a:pPr lvl="1"/>
             <a:r>
-              <a:rPr lang="en-US" smtClean="0"/>
+              <a:rPr lang="en-US"/>
               <a:t>Second level</a:t>
             </a:r>
           </a:p>
           <a:p>
             <a:pPr lvl="2"/>
             <a:r>
-              <a:rPr lang="en-US" smtClean="0"/>
+              <a:rPr lang="en-US"/>
               <a:t>Third level</a:t>
             </a:r>
           </a:p>
           <a:p>
             <a:pPr lvl="3"/>
             <a:r>
-              <a:rPr lang="en-US" smtClean="0"/>
+              <a:rPr lang="en-US"/>
               <a:t>Fourth level</a:t>
             </a:r>
           </a:p>
           <a:p>
             <a:pPr lvl="4"/>
             <a:r>
-              <a:rPr lang="en-US" smtClean="0"/>
+              <a:rPr lang="en-US"/>
               <a:t>Fifth level</a:t>
             </a:r>
-            <a:endParaRPr lang="en-US"/>
           </a:p>
         </p:txBody>
       </p:sp>
@@ -3104,7 +3099,7 @@
         <p:spPr>
           <a:xfrm>
             <a:off x="1295400" y="1371600"/>
-            <a:ext cx="2895600" cy="3581400"/>
+            <a:ext cx="2857500" cy="3657600"/>
           </a:xfrm>
           <a:prstGeom prst="rect">
             <a:avLst/>
@@ -3162,10 +3157,9 @@
           <a:lstStyle/>
           <a:p>
             <a:r>
-              <a:rPr lang="en-US" sz="1400" dirty="0" smtClean="0"/>
+              <a:rPr lang="en-US" sz="1400" dirty="0"/>
               <a:t>Client port (Windows)</a:t>
             </a:r>
-            <a:endParaRPr lang="en-US" sz="1400" dirty="0"/>
           </a:p>
         </p:txBody>
       </p:sp>
@@ -3217,21 +3211,8 @@
                   <a:schemeClr val="tx1"/>
                 </a:solidFill>
               </a:rPr>
-              <a:t>s</a:t>
-            </a:r>
-            <a:r>
-              <a:rPr lang="en-US" sz="1200" dirty="0" smtClean="0">
-                <a:solidFill>
-                  <a:schemeClr val="tx1"/>
-                </a:solidFill>
-              </a:rPr>
-              <a:t>ome functions</a:t>
-            </a:r>
-            <a:endParaRPr lang="en-US" sz="1200" dirty="0">
-              <a:solidFill>
-                <a:schemeClr val="tx1"/>
-              </a:solidFill>
-            </a:endParaRPr>
+              <a:t>some functions</a:t>
+            </a:r>
           </a:p>
         </p:txBody>
       </p:sp>
@@ -3278,18 +3259,13 @@
           <a:p>
             <a:pPr algn="ctr"/>
             <a:r>
-              <a:rPr lang="en-US" sz="1200" dirty="0" smtClean="0">
+              <a:rPr lang="en-US" sz="1200" dirty="0">
                 <a:solidFill>
                   <a:schemeClr val="tx2"/>
                 </a:solidFill>
               </a:rPr>
               <a:t>socket</a:t>
             </a:r>
-            <a:endParaRPr lang="en-US" sz="1200" dirty="0">
-              <a:solidFill>
-                <a:schemeClr val="tx2"/>
-              </a:solidFill>
-            </a:endParaRPr>
           </a:p>
         </p:txBody>
       </p:sp>
@@ -3372,18 +3348,13 @@
           <a:p>
             <a:pPr algn="ctr"/>
             <a:r>
-              <a:rPr lang="en-US" sz="1200" dirty="0" smtClean="0">
+              <a:rPr lang="en-US" sz="1200" dirty="0">
                 <a:solidFill>
                   <a:schemeClr val="tx2"/>
                 </a:solidFill>
               </a:rPr>
               <a:t>bind</a:t>
             </a:r>
-            <a:endParaRPr lang="en-US" sz="1200" dirty="0">
-              <a:solidFill>
-                <a:schemeClr val="tx2"/>
-              </a:solidFill>
-            </a:endParaRPr>
           </a:p>
         </p:txBody>
       </p:sp>
@@ -3445,6 +3416,7 @@
             <a:solidFill>
               <a:schemeClr val="tx1"/>
             </a:solidFill>
+            <a:prstDash val="sysDot"/>
           </a:ln>
         </p:spPr>
         <p:style>
@@ -3469,18 +3441,13 @@
           <a:p>
             <a:pPr algn="ctr"/>
             <a:r>
-              <a:rPr lang="en-US" sz="1000" dirty="0" smtClean="0">
+              <a:rPr lang="en-US" sz="1000" dirty="0">
                 <a:solidFill>
                   <a:schemeClr val="tx1"/>
                 </a:solidFill>
               </a:rPr>
               <a:t>These functions can be called in programs under windows</a:t>
             </a:r>
-            <a:endParaRPr lang="en-US" sz="1000" dirty="0">
-              <a:solidFill>
-                <a:schemeClr val="tx1"/>
-              </a:solidFill>
-            </a:endParaRPr>
           </a:p>
         </p:txBody>
       </p:sp>
@@ -3512,21 +3479,8 @@
                   <a:schemeClr val="tx2"/>
                 </a:solidFill>
               </a:rPr>
-              <a:t>c</a:t>
-            </a:r>
-            <a:r>
-              <a:rPr lang="en-US" sz="1000" dirty="0" smtClean="0">
-                <a:solidFill>
-                  <a:schemeClr val="tx2"/>
-                </a:solidFill>
-              </a:rPr>
-              <a:t>reate socket</a:t>
-            </a:r>
-            <a:endParaRPr lang="en-US" sz="1000" dirty="0">
-              <a:solidFill>
-                <a:schemeClr val="tx2"/>
-              </a:solidFill>
-            </a:endParaRPr>
+              <a:t>create socket</a:t>
+            </a:r>
           </a:p>
         </p:txBody>
       </p:sp>
@@ -3558,21 +3512,8 @@
                   <a:schemeClr val="tx2"/>
                 </a:solidFill>
               </a:rPr>
-              <a:t>b</a:t>
-            </a:r>
-            <a:r>
-              <a:rPr lang="en-US" sz="1000" dirty="0" smtClean="0">
-                <a:solidFill>
-                  <a:schemeClr val="tx2"/>
-                </a:solidFill>
-              </a:rPr>
-              <a:t>ind socket to port</a:t>
-            </a:r>
-            <a:endParaRPr lang="en-US" sz="1000" dirty="0">
-              <a:solidFill>
-                <a:schemeClr val="tx2"/>
-              </a:solidFill>
-            </a:endParaRPr>
+              <a:t>bind socket to port</a:t>
+            </a:r>
           </a:p>
         </p:txBody>
       </p:sp>
@@ -3619,18 +3560,13 @@
           <a:p>
             <a:pPr algn="ctr"/>
             <a:r>
-              <a:rPr lang="en-US" sz="1200" dirty="0" smtClean="0">
+              <a:rPr lang="en-US" sz="1200" dirty="0">
                 <a:solidFill>
                   <a:srgbClr val="FF0000"/>
                 </a:solidFill>
               </a:rPr>
               <a:t>connect</a:t>
             </a:r>
-            <a:endParaRPr lang="en-US" sz="1200" dirty="0">
-              <a:solidFill>
-                <a:srgbClr val="FF0000"/>
-              </a:solidFill>
-            </a:endParaRPr>
           </a:p>
         </p:txBody>
       </p:sp>
@@ -3678,7 +3614,7 @@
         </p:nvSpPr>
         <p:spPr>
           <a:xfrm>
-            <a:off x="2057400" y="3352800"/>
+            <a:off x="2057400" y="3361774"/>
             <a:ext cx="1295400" cy="381000"/>
           </a:xfrm>
           <a:prstGeom prst="roundRect">
@@ -3718,21 +3654,8 @@
                   <a:srgbClr val="FF0000"/>
                 </a:solidFill>
               </a:rPr>
-              <a:t>s</a:t>
-            </a:r>
-            <a:r>
-              <a:rPr lang="en-US" sz="1200" dirty="0" smtClean="0">
-                <a:solidFill>
-                  <a:srgbClr val="FF0000"/>
-                </a:solidFill>
-              </a:rPr>
-              <a:t>end request (data)</a:t>
-            </a:r>
-            <a:endParaRPr lang="en-US" sz="1200" dirty="0">
-              <a:solidFill>
-                <a:srgbClr val="FF0000"/>
-              </a:solidFill>
-            </a:endParaRPr>
+              <a:t>send request (data)</a:t>
+            </a:r>
           </a:p>
         </p:txBody>
       </p:sp>
@@ -3747,8 +3670,8 @@
         </p:nvCxnSpPr>
         <p:spPr>
           <a:xfrm>
-            <a:off x="2705100" y="3733800"/>
-            <a:ext cx="0" cy="381000"/>
+            <a:off x="2705100" y="3742774"/>
+            <a:ext cx="0" cy="354806"/>
           </a:xfrm>
           <a:prstGeom prst="straightConnector1">
             <a:avLst/>
@@ -3787,7 +3710,7 @@
         <p:spPr>
           <a:xfrm>
             <a:off x="2705100" y="3086100"/>
-            <a:ext cx="0" cy="266700"/>
+            <a:ext cx="0" cy="275674"/>
           </a:xfrm>
           <a:prstGeom prst="straightConnector1">
             <a:avLst/>
@@ -3822,7 +3745,7 @@
         </p:nvSpPr>
         <p:spPr>
           <a:xfrm>
-            <a:off x="2324100" y="4114800"/>
+            <a:off x="2324100" y="4097580"/>
             <a:ext cx="762000" cy="228600"/>
           </a:xfrm>
           <a:prstGeom prst="roundRect">
@@ -3857,18 +3780,13 @@
           <a:p>
             <a:pPr algn="ctr"/>
             <a:r>
-              <a:rPr lang="en-US" sz="1200" dirty="0" smtClean="0">
+              <a:rPr lang="en-US" sz="1200" dirty="0">
                 <a:solidFill>
                   <a:srgbClr val="FF0000"/>
                 </a:solidFill>
               </a:rPr>
               <a:t>receive</a:t>
             </a:r>
-            <a:endParaRPr lang="en-US" sz="1200" dirty="0">
-              <a:solidFill>
-                <a:srgbClr val="FF0000"/>
-              </a:solidFill>
-            </a:endParaRPr>
           </a:p>
         </p:txBody>
       </p:sp>
@@ -3883,8 +3801,8 @@
         </p:nvCxnSpPr>
         <p:spPr>
           <a:xfrm>
-            <a:off x="2705100" y="4343400"/>
-            <a:ext cx="0" cy="248753"/>
+            <a:off x="2705100" y="4326180"/>
+            <a:ext cx="0" cy="322020"/>
           </a:xfrm>
           <a:prstGeom prst="straightConnector1">
             <a:avLst/>
@@ -3919,7 +3837,7 @@
         </p:nvSpPr>
         <p:spPr>
           <a:xfrm>
-            <a:off x="2133600" y="4592153"/>
+            <a:off x="2133600" y="4648200"/>
             <a:ext cx="1143000" cy="228600"/>
           </a:xfrm>
           <a:prstGeom prst="roundRect">
@@ -3959,21 +3877,8 @@
                   <a:srgbClr val="FF0000"/>
                 </a:solidFill>
               </a:rPr>
-              <a:t>c</a:t>
-            </a:r>
-            <a:r>
-              <a:rPr lang="en-US" sz="1200" dirty="0" smtClean="0">
-                <a:solidFill>
-                  <a:srgbClr val="FF0000"/>
-                </a:solidFill>
-              </a:rPr>
-              <a:t>lose socket</a:t>
-            </a:r>
-            <a:endParaRPr lang="en-US" sz="1200" dirty="0">
-              <a:solidFill>
-                <a:srgbClr val="FF0000"/>
-              </a:solidFill>
-            </a:endParaRPr>
+              <a:t>close socket</a:t>
+            </a:r>
           </a:p>
         </p:txBody>
       </p:sp>
@@ -3988,15 +3893,15 @@
         </p:nvCxnSpPr>
         <p:spPr>
           <a:xfrm>
-            <a:off x="2705100" y="4820753"/>
-            <a:ext cx="0" cy="360847"/>
+            <a:off x="2705100" y="4876800"/>
+            <a:ext cx="0" cy="609600"/>
           </a:xfrm>
           <a:prstGeom prst="straightConnector1">
             <a:avLst/>
           </a:prstGeom>
           <a:ln w="12700">
             <a:solidFill>
-              <a:srgbClr val="FF0000"/>
+              <a:schemeClr val="tx1"/>
             </a:solidFill>
             <a:tailEnd type="arrow"/>
           </a:ln>
@@ -4024,7 +3929,7 @@
         </p:nvSpPr>
         <p:spPr>
           <a:xfrm>
-            <a:off x="2057400" y="5181600"/>
+            <a:off x="2057400" y="5486400"/>
             <a:ext cx="1295400" cy="228600"/>
           </a:xfrm>
           <a:prstGeom prst="rect">
@@ -4064,21 +3969,8 @@
                   <a:schemeClr val="tx1"/>
                 </a:solidFill>
               </a:rPr>
-              <a:t>b</a:t>
-            </a:r>
-            <a:r>
-              <a:rPr lang="en-US" sz="1200" dirty="0" smtClean="0">
-                <a:solidFill>
-                  <a:schemeClr val="tx1"/>
-                </a:solidFill>
-              </a:rPr>
-              <a:t>ack to program</a:t>
-            </a:r>
-            <a:endParaRPr lang="en-US" sz="1200" dirty="0">
-              <a:solidFill>
-                <a:schemeClr val="tx1"/>
-              </a:solidFill>
-            </a:endParaRPr>
+              <a:t>back to program</a:t>
+            </a:r>
           </a:p>
         </p:txBody>
       </p:sp>
@@ -4090,7 +3982,7 @@
         </p:nvSpPr>
         <p:spPr>
           <a:xfrm>
-            <a:off x="533400" y="4114800"/>
+            <a:off x="533400" y="4095810"/>
             <a:ext cx="1295400" cy="228600"/>
           </a:xfrm>
           <a:prstGeom prst="rect">
@@ -4130,21 +4022,8 @@
                   <a:schemeClr val="tx1"/>
                 </a:solidFill>
               </a:rPr>
-              <a:t>o</a:t>
-            </a:r>
-            <a:r>
-              <a:rPr lang="en-US" sz="1200" dirty="0" smtClean="0">
-                <a:solidFill>
-                  <a:schemeClr val="tx1"/>
-                </a:solidFill>
-              </a:rPr>
-              <a:t>riginal program</a:t>
-            </a:r>
-            <a:endParaRPr lang="en-US" sz="1200" dirty="0">
-              <a:solidFill>
-                <a:schemeClr val="tx1"/>
-              </a:solidFill>
-            </a:endParaRPr>
+              <a:t>original program</a:t>
+            </a:r>
           </a:p>
         </p:txBody>
       </p:sp>
@@ -4196,21 +4075,8 @@
                   <a:schemeClr val="tx1"/>
                 </a:solidFill>
               </a:rPr>
-              <a:t>n</a:t>
-            </a:r>
-            <a:r>
-              <a:rPr lang="en-US" sz="1200" dirty="0" smtClean="0">
-                <a:solidFill>
-                  <a:schemeClr val="tx1"/>
-                </a:solidFill>
-              </a:rPr>
-              <a:t>ew request</a:t>
-            </a:r>
-            <a:endParaRPr lang="en-US" sz="1200" dirty="0">
-              <a:solidFill>
-                <a:schemeClr val="tx1"/>
-              </a:solidFill>
-            </a:endParaRPr>
+              <a:t>new request</a:t>
+            </a:r>
           </a:p>
         </p:txBody>
       </p:sp>
@@ -4224,9 +4090,9 @@
           <p:nvPr/>
         </p:nvCxnSpPr>
         <p:spPr>
-          <a:xfrm flipH="1">
-            <a:off x="1828800" y="4229100"/>
-            <a:ext cx="495300" cy="0"/>
+          <a:xfrm flipH="1" flipV="1">
+            <a:off x="1828800" y="4210110"/>
+            <a:ext cx="495300" cy="1770"/>
           </a:xfrm>
           <a:prstGeom prst="straightConnector1">
             <a:avLst/>
@@ -4265,7 +4131,7 @@
         <p:spPr>
           <a:xfrm flipV="1">
             <a:off x="1181100" y="3657600"/>
-            <a:ext cx="0" cy="457200"/>
+            <a:ext cx="0" cy="438210"/>
           </a:xfrm>
           <a:prstGeom prst="straightConnector1">
             <a:avLst/>
@@ -4304,7 +4170,7 @@
         <p:spPr>
           <a:xfrm>
             <a:off x="1676400" y="3543300"/>
-            <a:ext cx="381000" cy="0"/>
+            <a:ext cx="381000" cy="8974"/>
           </a:xfrm>
           <a:prstGeom prst="straightConnector1">
             <a:avLst/>
@@ -4356,13 +4222,8 @@
             <a:pPr algn="ctr"/>
             <a:r>
               <a:rPr lang="en-US" sz="1000" dirty="0"/>
-              <a:t>g</a:t>
-            </a:r>
-            <a:r>
-              <a:rPr lang="en-US" sz="1000" dirty="0" smtClean="0"/>
-              <a:t>enerate new parameters request</a:t>
-            </a:r>
-            <a:endParaRPr lang="en-US" sz="1000" dirty="0"/>
+              <a:t>generate new parameters request</a:t>
+            </a:r>
           </a:p>
         </p:txBody>
       </p:sp>
@@ -4374,8 +4235,8 @@
         </p:nvSpPr>
         <p:spPr>
           <a:xfrm>
-            <a:off x="4419600" y="1905000"/>
-            <a:ext cx="2895600" cy="3581400"/>
+            <a:off x="4686300" y="1724025"/>
+            <a:ext cx="2628900" cy="3305175"/>
           </a:xfrm>
           <a:prstGeom prst="rect">
             <a:avLst/>
@@ -4433,10 +4294,9 @@
           <a:lstStyle/>
           <a:p>
             <a:r>
-              <a:rPr lang="en-US" sz="1400" dirty="0" smtClean="0"/>
+              <a:rPr lang="en-US" sz="1400" dirty="0"/>
               <a:t>Server port (Linux)</a:t>
             </a:r>
-            <a:endParaRPr lang="en-US" sz="1400" dirty="0"/>
           </a:p>
         </p:txBody>
       </p:sp>
@@ -4448,7 +4308,7 @@
         </p:nvSpPr>
         <p:spPr>
           <a:xfrm>
-            <a:off x="4953000" y="1524000"/>
+            <a:off x="4953000" y="1371600"/>
             <a:ext cx="1752600" cy="228600"/>
           </a:xfrm>
           <a:prstGeom prst="rect">
@@ -4488,21 +4348,8 @@
                   <a:schemeClr val="tx1"/>
                 </a:solidFill>
               </a:rPr>
-              <a:t>c</a:t>
-            </a:r>
-            <a:r>
-              <a:rPr lang="en-US" sz="1200" dirty="0" smtClean="0">
-                <a:solidFill>
-                  <a:schemeClr val="tx1"/>
-                </a:solidFill>
-              </a:rPr>
-              <a:t>reate and bind socket</a:t>
-            </a:r>
-            <a:endParaRPr lang="en-US" sz="1200" dirty="0">
-              <a:solidFill>
-                <a:schemeClr val="tx1"/>
-              </a:solidFill>
-            </a:endParaRPr>
+              <a:t>create and bind socket</a:t>
+            </a:r>
           </a:p>
         </p:txBody>
       </p:sp>
@@ -4514,7 +4361,7 @@
         </p:nvSpPr>
         <p:spPr>
           <a:xfrm>
-            <a:off x="5448300" y="2104311"/>
+            <a:off x="5448300" y="1912181"/>
             <a:ext cx="762000" cy="228600"/>
           </a:xfrm>
           <a:prstGeom prst="roundRect">
@@ -4549,18 +4396,13 @@
           <a:p>
             <a:pPr algn="ctr"/>
             <a:r>
-              <a:rPr lang="en-US" sz="1200" dirty="0" smtClean="0">
+              <a:rPr lang="en-US" sz="1200" dirty="0">
                 <a:solidFill>
                   <a:schemeClr val="tx2"/>
                 </a:solidFill>
               </a:rPr>
               <a:t>listen</a:t>
             </a:r>
-            <a:endParaRPr lang="en-US" sz="1200" dirty="0">
-              <a:solidFill>
-                <a:schemeClr val="tx2"/>
-              </a:solidFill>
-            </a:endParaRPr>
           </a:p>
         </p:txBody>
       </p:sp>
@@ -4575,8 +4417,8 @@
         </p:nvCxnSpPr>
         <p:spPr>
           <a:xfrm>
-            <a:off x="5829300" y="1752600"/>
-            <a:ext cx="0" cy="351711"/>
+            <a:off x="5829300" y="1600200"/>
+            <a:ext cx="0" cy="311981"/>
           </a:xfrm>
           <a:prstGeom prst="straightConnector1">
             <a:avLst/>
@@ -4608,7 +4450,7 @@
         </p:nvSpPr>
         <p:spPr>
           <a:xfrm>
-            <a:off x="5448300" y="2514600"/>
+            <a:off x="5448300" y="2362200"/>
             <a:ext cx="762000" cy="228600"/>
           </a:xfrm>
           <a:prstGeom prst="roundRect">
@@ -4643,18 +4485,13 @@
           <a:p>
             <a:pPr algn="ctr"/>
             <a:r>
-              <a:rPr lang="en-US" sz="1200" dirty="0" smtClean="0">
+              <a:rPr lang="en-US" sz="1200" dirty="0">
                 <a:solidFill>
                   <a:schemeClr val="tx2"/>
                 </a:solidFill>
               </a:rPr>
               <a:t>accept</a:t>
             </a:r>
-            <a:endParaRPr lang="en-US" sz="1200" dirty="0">
-              <a:solidFill>
-                <a:schemeClr val="tx2"/>
-              </a:solidFill>
-            </a:endParaRPr>
           </a:p>
         </p:txBody>
       </p:sp>
@@ -4669,8 +4506,8 @@
         </p:nvCxnSpPr>
         <p:spPr>
           <a:xfrm>
-            <a:off x="5829300" y="2332911"/>
-            <a:ext cx="0" cy="181689"/>
+            <a:off x="5829300" y="2140781"/>
+            <a:ext cx="0" cy="221419"/>
           </a:xfrm>
           <a:prstGeom prst="straightConnector1">
             <a:avLst/>
@@ -4702,7 +4539,7 @@
         </p:nvSpPr>
         <p:spPr>
           <a:xfrm>
-            <a:off x="5867400" y="1828800"/>
+            <a:off x="5867400" y="1676400"/>
             <a:ext cx="914400" cy="246221"/>
           </a:xfrm>
           <a:prstGeom prst="rect">
@@ -4717,18 +4554,13 @@
           <a:lstStyle/>
           <a:p>
             <a:r>
-              <a:rPr lang="en-US" sz="1000" dirty="0" smtClean="0">
+              <a:rPr lang="en-US" sz="1000" dirty="0">
                 <a:solidFill>
                   <a:schemeClr val="tx2"/>
                 </a:solidFill>
               </a:rPr>
               <a:t>start listening</a:t>
             </a:r>
-            <a:endParaRPr lang="en-US" sz="1000" dirty="0">
-              <a:solidFill>
-                <a:schemeClr val="tx2"/>
-              </a:solidFill>
-            </a:endParaRPr>
           </a:p>
         </p:txBody>
       </p:sp>
@@ -4740,7 +4572,7 @@
         </p:nvSpPr>
         <p:spPr>
           <a:xfrm>
-            <a:off x="5867400" y="2286000"/>
+            <a:off x="5867400" y="2133600"/>
             <a:ext cx="1371600" cy="246221"/>
           </a:xfrm>
           <a:prstGeom prst="rect">
@@ -4760,36 +4592,59 @@
                   <a:schemeClr val="tx2"/>
                 </a:solidFill>
               </a:rPr>
-              <a:t>w</a:t>
-            </a:r>
-            <a:r>
-              <a:rPr lang="en-US" sz="1000" dirty="0" smtClean="0">
-                <a:solidFill>
-                  <a:schemeClr val="tx2"/>
-                </a:solidFill>
-              </a:rPr>
-              <a:t>ait to be accepted</a:t>
-            </a:r>
-            <a:endParaRPr lang="en-US" sz="1000" dirty="0">
-              <a:solidFill>
-                <a:schemeClr val="tx2"/>
-              </a:solidFill>
-            </a:endParaRPr>
-          </a:p>
-        </p:txBody>
-      </p:sp>
-      <p:sp>
-        <p:nvSpPr>
-          <p:cNvPr id="84" name="Rectangle 83"/>
+              <a:t>wait to be accepted</a:t>
+            </a:r>
+          </a:p>
+        </p:txBody>
+      </p:sp>
+      <p:cxnSp>
+        <p:nvCxnSpPr>
+          <p:cNvPr id="85" name="Straight Arrow Connector 84"/>
+          <p:cNvCxnSpPr>
+            <a:stCxn id="79" idx="2"/>
+            <a:endCxn id="89" idx="0"/>
+          </p:cNvCxnSpPr>
+          <p:nvPr/>
+        </p:nvCxnSpPr>
+        <p:spPr>
+          <a:xfrm>
+            <a:off x="5829300" y="2590800"/>
+            <a:ext cx="0" cy="752883"/>
+          </a:xfrm>
+          <a:prstGeom prst="straightConnector1">
+            <a:avLst/>
+          </a:prstGeom>
+          <a:ln w="12700">
+            <a:tailEnd type="arrow"/>
+          </a:ln>
+        </p:spPr>
+        <p:style>
+          <a:lnRef idx="1">
+            <a:schemeClr val="accent1"/>
+          </a:lnRef>
+          <a:fillRef idx="0">
+            <a:schemeClr val="accent1"/>
+          </a:fillRef>
+          <a:effectRef idx="0">
+            <a:schemeClr val="accent1"/>
+          </a:effectRef>
+          <a:fontRef idx="minor">
+            <a:schemeClr val="tx1"/>
+          </a:fontRef>
+        </p:style>
+      </p:cxnSp>
+      <p:sp>
+        <p:nvSpPr>
+          <p:cNvPr id="86" name="Rounded Rectangle 85"/>
           <p:cNvSpPr/>
           <p:nvPr/>
         </p:nvSpPr>
         <p:spPr>
           <a:xfrm>
-            <a:off x="5448300" y="3390900"/>
-            <a:ext cx="762000" cy="228600"/>
-          </a:xfrm>
-          <a:prstGeom prst="rect">
+            <a:off x="5181600" y="4021380"/>
+            <a:ext cx="1295400" cy="381000"/>
+          </a:xfrm>
+          <a:prstGeom prst="roundRect">
             <a:avLst/>
           </a:prstGeom>
           <a:noFill/>
@@ -4821,39 +4676,37 @@
           <a:p>
             <a:pPr algn="ctr"/>
             <a:r>
-              <a:rPr lang="en-US" sz="1200" dirty="0" smtClean="0">
+              <a:rPr lang="en-US" sz="1200" dirty="0">
                 <a:solidFill>
                   <a:srgbClr val="FF0000"/>
                 </a:solidFill>
               </a:rPr>
-              <a:t>connect</a:t>
-            </a:r>
-            <a:endParaRPr lang="en-US" sz="1200" dirty="0">
-              <a:solidFill>
-                <a:srgbClr val="FF0000"/>
-              </a:solidFill>
-            </a:endParaRPr>
+              <a:t>send request (data)</a:t>
+            </a:r>
           </a:p>
         </p:txBody>
       </p:sp>
       <p:cxnSp>
         <p:nvCxnSpPr>
-          <p:cNvPr id="85" name="Straight Arrow Connector 84"/>
+          <p:cNvPr id="87" name="Straight Arrow Connector 86"/>
           <p:cNvCxnSpPr>
-            <a:stCxn id="79" idx="2"/>
-            <a:endCxn id="114" idx="0"/>
+            <a:stCxn id="86" idx="2"/>
+            <a:endCxn id="91" idx="0"/>
           </p:cNvCxnSpPr>
           <p:nvPr/>
         </p:nvCxnSpPr>
         <p:spPr>
           <a:xfrm>
-            <a:off x="5829300" y="2743200"/>
-            <a:ext cx="0" cy="150512"/>
+            <a:off x="5829300" y="4402380"/>
+            <a:ext cx="0" cy="245820"/>
           </a:xfrm>
           <a:prstGeom prst="straightConnector1">
             <a:avLst/>
           </a:prstGeom>
           <a:ln w="12700">
+            <a:solidFill>
+              <a:srgbClr val="FF0000"/>
+            </a:solidFill>
             <a:tailEnd type="arrow"/>
           </a:ln>
         </p:spPr>
@@ -4874,14 +4727,14 @@
       </p:cxnSp>
       <p:sp>
         <p:nvSpPr>
-          <p:cNvPr id="86" name="Rounded Rectangle 85"/>
+          <p:cNvPr id="89" name="Rounded Rectangle 88"/>
           <p:cNvSpPr/>
           <p:nvPr/>
         </p:nvSpPr>
         <p:spPr>
           <a:xfrm>
-            <a:off x="5181600" y="3886200"/>
-            <a:ext cx="1295400" cy="381000"/>
+            <a:off x="5448300" y="3343683"/>
+            <a:ext cx="762000" cy="416856"/>
           </a:xfrm>
           <a:prstGeom prst="roundRect">
             <a:avLst/>
@@ -4920,37 +4773,24 @@
                   <a:srgbClr val="FF0000"/>
                 </a:solidFill>
               </a:rPr>
-              <a:t>s</a:t>
-            </a:r>
-            <a:r>
-              <a:rPr lang="en-US" sz="1200" dirty="0" smtClean="0">
-                <a:solidFill>
-                  <a:srgbClr val="FF0000"/>
-                </a:solidFill>
-              </a:rPr>
-              <a:t>end request (data)</a:t>
-            </a:r>
-            <a:endParaRPr lang="en-US" sz="1200" dirty="0">
-              <a:solidFill>
-                <a:srgbClr val="FF0000"/>
-              </a:solidFill>
-            </a:endParaRPr>
+              <a:t>receive data</a:t>
+            </a:r>
           </a:p>
         </p:txBody>
       </p:sp>
       <p:cxnSp>
         <p:nvCxnSpPr>
-          <p:cNvPr id="87" name="Straight Arrow Connector 86"/>
+          <p:cNvPr id="90" name="Straight Arrow Connector 89"/>
           <p:cNvCxnSpPr>
-            <a:stCxn id="86" idx="2"/>
-            <a:endCxn id="89" idx="0"/>
+            <a:stCxn id="89" idx="2"/>
+            <a:endCxn id="86" idx="0"/>
           </p:cNvCxnSpPr>
           <p:nvPr/>
         </p:nvCxnSpPr>
         <p:spPr>
           <a:xfrm>
-            <a:off x="5829300" y="4267200"/>
-            <a:ext cx="0" cy="381000"/>
+            <a:off x="5829300" y="3760539"/>
+            <a:ext cx="0" cy="260841"/>
           </a:xfrm>
           <a:prstGeom prst="straightConnector1">
             <a:avLst/>
@@ -4977,55 +4817,16 @@
           </a:fontRef>
         </p:style>
       </p:cxnSp>
-      <p:cxnSp>
-        <p:nvCxnSpPr>
-          <p:cNvPr id="88" name="Straight Arrow Connector 87"/>
-          <p:cNvCxnSpPr>
-            <a:stCxn id="84" idx="2"/>
-            <a:endCxn id="86" idx="0"/>
-          </p:cNvCxnSpPr>
-          <p:nvPr/>
-        </p:nvCxnSpPr>
-        <p:spPr>
-          <a:xfrm>
-            <a:off x="5829300" y="3619500"/>
-            <a:ext cx="0" cy="266700"/>
-          </a:xfrm>
-          <a:prstGeom prst="straightConnector1">
-            <a:avLst/>
-          </a:prstGeom>
-          <a:ln w="12700">
-            <a:solidFill>
-              <a:srgbClr val="FF0000"/>
-            </a:solidFill>
-            <a:tailEnd type="arrow"/>
-          </a:ln>
-        </p:spPr>
-        <p:style>
-          <a:lnRef idx="1">
-            <a:schemeClr val="accent1"/>
-          </a:lnRef>
-          <a:fillRef idx="0">
-            <a:schemeClr val="accent1"/>
-          </a:fillRef>
-          <a:effectRef idx="0">
-            <a:schemeClr val="accent1"/>
-          </a:effectRef>
-          <a:fontRef idx="minor">
-            <a:schemeClr val="tx1"/>
-          </a:fontRef>
-        </p:style>
-      </p:cxnSp>
-      <p:sp>
-        <p:nvSpPr>
-          <p:cNvPr id="89" name="Rounded Rectangle 88"/>
+      <p:sp>
+        <p:nvSpPr>
+          <p:cNvPr id="91" name="Rounded Rectangle 90"/>
           <p:cNvSpPr/>
           <p:nvPr/>
         </p:nvSpPr>
         <p:spPr>
           <a:xfrm>
-            <a:off x="5448300" y="4648200"/>
-            <a:ext cx="762000" cy="228600"/>
+            <a:off x="5257800" y="4648200"/>
+            <a:ext cx="1143000" cy="228600"/>
           </a:xfrm>
           <a:prstGeom prst="roundRect">
             <a:avLst/>
@@ -5059,41 +4860,36 @@
           <a:p>
             <a:pPr algn="ctr"/>
             <a:r>
-              <a:rPr lang="en-US" sz="1200" dirty="0" smtClean="0">
+              <a:rPr lang="en-US" sz="1200" dirty="0">
                 <a:solidFill>
                   <a:srgbClr val="FF0000"/>
                 </a:solidFill>
               </a:rPr>
-              <a:t>receive</a:t>
-            </a:r>
-            <a:endParaRPr lang="en-US" sz="1200" dirty="0">
-              <a:solidFill>
-                <a:srgbClr val="FF0000"/>
-              </a:solidFill>
-            </a:endParaRPr>
+              <a:t>close socket</a:t>
+            </a:r>
           </a:p>
         </p:txBody>
       </p:sp>
       <p:cxnSp>
         <p:nvCxnSpPr>
-          <p:cNvPr id="90" name="Straight Arrow Connector 89"/>
+          <p:cNvPr id="92" name="Straight Arrow Connector 91"/>
           <p:cNvCxnSpPr>
-            <a:stCxn id="89" idx="2"/>
-            <a:endCxn id="91" idx="0"/>
+            <a:stCxn id="91" idx="2"/>
+            <a:endCxn id="93" idx="0"/>
           </p:cNvCxnSpPr>
           <p:nvPr/>
         </p:nvCxnSpPr>
         <p:spPr>
-          <a:xfrm>
-            <a:off x="5829300" y="4876800"/>
-            <a:ext cx="0" cy="248753"/>
+          <a:xfrm flipH="1">
+            <a:off x="5829299" y="4876800"/>
+            <a:ext cx="1" cy="581255"/>
           </a:xfrm>
           <a:prstGeom prst="straightConnector1">
             <a:avLst/>
           </a:prstGeom>
           <a:ln w="12700">
             <a:solidFill>
-              <a:srgbClr val="FF0000"/>
+              <a:schemeClr val="tx1"/>
             </a:solidFill>
             <a:tailEnd type="arrow"/>
           </a:ln>
@@ -5115,22 +4911,22 @@
       </p:cxnSp>
       <p:sp>
         <p:nvSpPr>
-          <p:cNvPr id="91" name="Rounded Rectangle 90"/>
+          <p:cNvPr id="93" name="Rectangle 92"/>
           <p:cNvSpPr/>
           <p:nvPr/>
         </p:nvSpPr>
         <p:spPr>
           <a:xfrm>
-            <a:off x="5257800" y="5125553"/>
-            <a:ext cx="1143000" cy="228600"/>
-          </a:xfrm>
-          <a:prstGeom prst="roundRect">
+            <a:off x="4952999" y="5458055"/>
+            <a:ext cx="1752600" cy="515779"/>
+          </a:xfrm>
+          <a:prstGeom prst="rect">
             <a:avLst/>
           </a:prstGeom>
           <a:noFill/>
-          <a:ln w="12700">
+          <a:ln w="9525">
             <a:solidFill>
-              <a:srgbClr val="FF0000"/>
+              <a:schemeClr val="tx1"/>
             </a:solidFill>
           </a:ln>
         </p:spPr>
@@ -5158,75 +4954,23 @@
             <a:r>
               <a:rPr lang="en-US" sz="1200" dirty="0">
                 <a:solidFill>
-                  <a:srgbClr val="FF0000"/>
+                  <a:schemeClr val="tx1"/>
                 </a:solidFill>
               </a:rPr>
-              <a:t>c</a:t>
-            </a:r>
-            <a:r>
-              <a:rPr lang="en-US" sz="1200" dirty="0" smtClean="0">
-                <a:solidFill>
-                  <a:srgbClr val="FF0000"/>
-                </a:solidFill>
-              </a:rPr>
-              <a:t>lose socket</a:t>
-            </a:r>
-            <a:endParaRPr lang="en-US" sz="1200" dirty="0">
-              <a:solidFill>
-                <a:srgbClr val="FF0000"/>
-              </a:solidFill>
-            </a:endParaRPr>
-          </a:p>
-        </p:txBody>
-      </p:sp>
-      <p:cxnSp>
-        <p:nvCxnSpPr>
-          <p:cNvPr id="92" name="Straight Arrow Connector 91"/>
-          <p:cNvCxnSpPr>
-            <a:stCxn id="91" idx="2"/>
-            <a:endCxn id="93" idx="0"/>
-          </p:cNvCxnSpPr>
-          <p:nvPr/>
-        </p:nvCxnSpPr>
-        <p:spPr>
-          <a:xfrm>
-            <a:off x="5829300" y="5354153"/>
-            <a:ext cx="0" cy="360847"/>
-          </a:xfrm>
-          <a:prstGeom prst="straightConnector1">
-            <a:avLst/>
-          </a:prstGeom>
-          <a:ln w="12700">
-            <a:solidFill>
-              <a:srgbClr val="FF0000"/>
-            </a:solidFill>
-            <a:tailEnd type="arrow"/>
-          </a:ln>
-        </p:spPr>
-        <p:style>
-          <a:lnRef idx="1">
-            <a:schemeClr val="accent1"/>
-          </a:lnRef>
-          <a:fillRef idx="0">
-            <a:schemeClr val="accent1"/>
-          </a:fillRef>
-          <a:effectRef idx="0">
-            <a:schemeClr val="accent1"/>
-          </a:effectRef>
-          <a:fontRef idx="minor">
-            <a:schemeClr val="tx1"/>
-          </a:fontRef>
-        </p:style>
-      </p:cxnSp>
-      <p:sp>
-        <p:nvSpPr>
-          <p:cNvPr id="93" name="Rectangle 92"/>
+              <a:t>Hang up and waiting next socket request</a:t>
+            </a:r>
+          </a:p>
+        </p:txBody>
+      </p:sp>
+      <p:sp>
+        <p:nvSpPr>
+          <p:cNvPr id="94" name="Rectangle 93"/>
           <p:cNvSpPr/>
           <p:nvPr/>
         </p:nvSpPr>
         <p:spPr>
           <a:xfrm>
-            <a:off x="5181600" y="5715000"/>
+            <a:off x="6781800" y="3437811"/>
             <a:ext cx="1295400" cy="228600"/>
           </a:xfrm>
           <a:prstGeom prst="rect">
@@ -5266,34 +5010,21 @@
                   <a:schemeClr val="tx1"/>
                 </a:solidFill>
               </a:rPr>
-              <a:t>b</a:t>
-            </a:r>
-            <a:r>
-              <a:rPr lang="en-US" sz="1200" dirty="0" smtClean="0">
-                <a:solidFill>
-                  <a:schemeClr val="tx1"/>
-                </a:solidFill>
-              </a:rPr>
-              <a:t>ack to program</a:t>
-            </a:r>
-            <a:endParaRPr lang="en-US" sz="1200" dirty="0">
-              <a:solidFill>
-                <a:schemeClr val="tx1"/>
-              </a:solidFill>
-            </a:endParaRPr>
-          </a:p>
-        </p:txBody>
-      </p:sp>
-      <p:sp>
-        <p:nvSpPr>
-          <p:cNvPr id="94" name="Rectangle 93"/>
+              <a:t>original program</a:t>
+            </a:r>
+          </a:p>
+        </p:txBody>
+      </p:sp>
+      <p:sp>
+        <p:nvSpPr>
+          <p:cNvPr id="95" name="Rectangle 94"/>
           <p:cNvSpPr/>
           <p:nvPr/>
         </p:nvSpPr>
         <p:spPr>
           <a:xfrm>
-            <a:off x="6781800" y="4587331"/>
-            <a:ext cx="1295400" cy="228600"/>
+            <a:off x="6934199" y="4097580"/>
+            <a:ext cx="990601" cy="228600"/>
           </a:xfrm>
           <a:prstGeom prst="rect">
             <a:avLst/>
@@ -5332,87 +5063,8 @@
                   <a:schemeClr val="tx1"/>
                 </a:solidFill>
               </a:rPr>
-              <a:t>o</a:t>
-            </a:r>
-            <a:r>
-              <a:rPr lang="en-US" sz="1200" dirty="0" smtClean="0">
-                <a:solidFill>
-                  <a:schemeClr val="tx1"/>
-                </a:solidFill>
-              </a:rPr>
-              <a:t>riginal program</a:t>
-            </a:r>
-            <a:endParaRPr lang="en-US" sz="1200" dirty="0">
-              <a:solidFill>
-                <a:schemeClr val="tx1"/>
-              </a:solidFill>
-            </a:endParaRPr>
-          </a:p>
-        </p:txBody>
-      </p:sp>
-      <p:sp>
-        <p:nvSpPr>
-          <p:cNvPr id="95" name="Rectangle 94"/>
-          <p:cNvSpPr/>
-          <p:nvPr/>
-        </p:nvSpPr>
-        <p:spPr>
-          <a:xfrm>
-            <a:off x="6934200" y="3960511"/>
-            <a:ext cx="990601" cy="228600"/>
-          </a:xfrm>
-          <a:prstGeom prst="rect">
-            <a:avLst/>
-          </a:prstGeom>
-          <a:noFill/>
-          <a:ln w="9525">
-            <a:solidFill>
-              <a:schemeClr val="tx1"/>
-            </a:solidFill>
-          </a:ln>
-        </p:spPr>
-        <p:style>
-          <a:lnRef idx="2">
-            <a:schemeClr val="accent1">
-              <a:shade val="50000"/>
-            </a:schemeClr>
-          </a:lnRef>
-          <a:fillRef idx="1">
-            <a:schemeClr val="accent1"/>
-          </a:fillRef>
-          <a:effectRef idx="0">
-            <a:schemeClr val="accent1"/>
-          </a:effectRef>
-          <a:fontRef idx="minor">
-            <a:schemeClr val="lt1"/>
-          </a:fontRef>
-        </p:style>
-        <p:txBody>
-          <a:bodyPr rtlCol="0" anchor="ctr"/>
-          <a:lstStyle/>
-          <a:p>
-            <a:pPr algn="ctr"/>
-            <a:r>
-              <a:rPr lang="en-US" sz="1200" dirty="0">
-                <a:solidFill>
-                  <a:schemeClr val="tx1"/>
-                </a:solidFill>
-              </a:rPr>
-              <a:t>n</a:t>
-            </a:r>
-            <a:r>
-              <a:rPr lang="en-US" sz="1200" dirty="0" smtClean="0">
-                <a:solidFill>
-                  <a:schemeClr val="tx1"/>
-                </a:solidFill>
-              </a:rPr>
-              <a:t>ew request</a:t>
-            </a:r>
-            <a:endParaRPr lang="en-US" sz="1200" dirty="0">
-              <a:solidFill>
-                <a:schemeClr val="tx1"/>
-              </a:solidFill>
-            </a:endParaRPr>
+              <a:t>parameters</a:t>
+            </a:r>
           </a:p>
         </p:txBody>
       </p:sp>
@@ -5420,15 +5072,15 @@
         <p:nvCxnSpPr>
           <p:cNvPr id="96" name="Straight Arrow Connector 95"/>
           <p:cNvCxnSpPr>
-            <a:stCxn id="94" idx="1"/>
-            <a:endCxn id="89" idx="3"/>
+            <a:stCxn id="89" idx="3"/>
+            <a:endCxn id="94" idx="1"/>
           </p:cNvCxnSpPr>
           <p:nvPr/>
         </p:nvCxnSpPr>
         <p:spPr>
-          <a:xfrm flipH="1">
-            <a:off x="6210300" y="4701631"/>
-            <a:ext cx="571500" cy="60869"/>
+          <a:xfrm>
+            <a:off x="6210300" y="3552111"/>
+            <a:ext cx="571500" cy="0"/>
           </a:xfrm>
           <a:prstGeom prst="straightConnector1">
             <a:avLst/>
@@ -5459,15 +5111,15 @@
         <p:nvCxnSpPr>
           <p:cNvPr id="97" name="Straight Arrow Connector 96"/>
           <p:cNvCxnSpPr>
-            <a:stCxn id="94" idx="0"/>
-            <a:endCxn id="95" idx="2"/>
+            <a:stCxn id="94" idx="2"/>
+            <a:endCxn id="95" idx="0"/>
           </p:cNvCxnSpPr>
           <p:nvPr/>
         </p:nvCxnSpPr>
         <p:spPr>
-          <a:xfrm flipV="1">
-            <a:off x="7429500" y="4189111"/>
-            <a:ext cx="1" cy="398220"/>
+          <a:xfrm>
+            <a:off x="7429500" y="3666411"/>
+            <a:ext cx="0" cy="431169"/>
           </a:xfrm>
           <a:prstGeom prst="straightConnector1">
             <a:avLst/>
@@ -5505,8 +5157,8 @@
         </p:nvCxnSpPr>
         <p:spPr>
           <a:xfrm flipH="1">
-            <a:off x="6477000" y="4074811"/>
-            <a:ext cx="457200" cy="1889"/>
+            <a:off x="6477000" y="4211880"/>
+            <a:ext cx="457199" cy="0"/>
           </a:xfrm>
           <a:prstGeom prst="straightConnector1">
             <a:avLst/>
@@ -5545,7 +5197,7 @@
         <p:spPr>
           <a:xfrm>
             <a:off x="3352800" y="1104900"/>
-            <a:ext cx="2476500" cy="419100"/>
+            <a:ext cx="2476500" cy="266700"/>
           </a:xfrm>
           <a:prstGeom prst="bentConnector2">
             <a:avLst/>
@@ -5619,40 +5271,364 @@
           <a:p>
             <a:pPr algn="ctr"/>
             <a:r>
-              <a:rPr lang="en-US" sz="1000" dirty="0" smtClean="0">
+              <a:rPr lang="en-US" sz="1000" dirty="0">
                 <a:solidFill>
                   <a:schemeClr val="tx1"/>
                 </a:solidFill>
               </a:rPr>
               <a:t>If the server port in Linux cannot be established manually, this step is needed</a:t>
             </a:r>
-            <a:endParaRPr lang="en-US" sz="1000" dirty="0">
-              <a:solidFill>
-                <a:schemeClr val="tx1"/>
-              </a:solidFill>
-            </a:endParaRPr>
-          </a:p>
-        </p:txBody>
-      </p:sp>
-      <p:sp>
-        <p:nvSpPr>
-          <p:cNvPr id="114" name="Rounded Rectangle 113"/>
-          <p:cNvSpPr/>
-          <p:nvPr/>
-        </p:nvSpPr>
-        <p:spPr>
-          <a:xfrm>
-            <a:off x="5448300" y="2893712"/>
-            <a:ext cx="762000" cy="228600"/>
-          </a:xfrm>
-          <a:prstGeom prst="roundRect">
+          </a:p>
+        </p:txBody>
+      </p:sp>
+      <p:sp>
+        <p:nvSpPr>
+          <p:cNvPr id="117" name="TextBox 116"/>
+          <p:cNvSpPr txBox="1"/>
+          <p:nvPr/>
+        </p:nvSpPr>
+        <p:spPr>
+          <a:xfrm>
+            <a:off x="5867400" y="2877979"/>
+            <a:ext cx="1219200" cy="246221"/>
+          </a:xfrm>
+          <a:prstGeom prst="rect">
             <a:avLst/>
           </a:prstGeom>
           <a:noFill/>
+        </p:spPr>
+        <p:txBody>
+          <a:bodyPr wrap="square" rtlCol="0">
+            <a:spAutoFit/>
+          </a:bodyPr>
+          <a:lstStyle/>
+          <a:p>
+            <a:r>
+              <a:rPr lang="en-US" sz="1000" dirty="0">
+                <a:solidFill>
+                  <a:schemeClr val="tx2"/>
+                </a:solidFill>
+              </a:rPr>
+              <a:t>bind socket to port</a:t>
+            </a:r>
+          </a:p>
+        </p:txBody>
+      </p:sp>
+      <p:cxnSp>
+        <p:nvCxnSpPr>
+          <p:cNvPr id="11" name="Straight Arrow Connector 10"/>
+          <p:cNvCxnSpPr>
+            <a:stCxn id="19" idx="3"/>
+          </p:cNvCxnSpPr>
+          <p:nvPr/>
+        </p:nvCxnSpPr>
+        <p:spPr>
+          <a:xfrm>
+            <a:off x="3086100" y="2971800"/>
+            <a:ext cx="2743200" cy="0"/>
+          </a:xfrm>
+          <a:prstGeom prst="straightConnector1">
+            <a:avLst/>
+          </a:prstGeom>
           <a:ln w="12700">
             <a:solidFill>
-              <a:srgbClr val="0070C0"/>
+              <a:srgbClr val="00B050"/>
             </a:solidFill>
+            <a:headEnd type="triangle"/>
+            <a:tailEnd type="triangle"/>
+          </a:ln>
+        </p:spPr>
+        <p:style>
+          <a:lnRef idx="1">
+            <a:schemeClr val="accent1"/>
+          </a:lnRef>
+          <a:fillRef idx="0">
+            <a:schemeClr val="accent1"/>
+          </a:fillRef>
+          <a:effectRef idx="0">
+            <a:schemeClr val="accent1"/>
+          </a:effectRef>
+          <a:fontRef idx="minor">
+            <a:schemeClr val="tx1"/>
+          </a:fontRef>
+        </p:style>
+      </p:cxnSp>
+      <p:cxnSp>
+        <p:nvCxnSpPr>
+          <p:cNvPr id="65" name="Straight Arrow Connector 64"/>
+          <p:cNvCxnSpPr>
+            <a:stCxn id="21" idx="3"/>
+            <a:endCxn id="89" idx="1"/>
+          </p:cNvCxnSpPr>
+          <p:nvPr/>
+        </p:nvCxnSpPr>
+        <p:spPr>
+          <a:xfrm flipV="1">
+            <a:off x="3352800" y="3552111"/>
+            <a:ext cx="2095500" cy="163"/>
+          </a:xfrm>
+          <a:prstGeom prst="straightConnector1">
+            <a:avLst/>
+          </a:prstGeom>
+          <a:ln w="12700">
+            <a:solidFill>
+              <a:srgbClr val="00B050"/>
+            </a:solidFill>
+            <a:tailEnd type="triangle"/>
+          </a:ln>
+        </p:spPr>
+        <p:style>
+          <a:lnRef idx="1">
+            <a:schemeClr val="accent1"/>
+          </a:lnRef>
+          <a:fillRef idx="0">
+            <a:schemeClr val="accent1"/>
+          </a:fillRef>
+          <a:effectRef idx="0">
+            <a:schemeClr val="accent1"/>
+          </a:effectRef>
+          <a:fontRef idx="minor">
+            <a:schemeClr val="tx1"/>
+          </a:fontRef>
+        </p:style>
+      </p:cxnSp>
+      <p:cxnSp>
+        <p:nvCxnSpPr>
+          <p:cNvPr id="105" name="Straight Arrow Connector 104"/>
+          <p:cNvCxnSpPr>
+            <a:stCxn id="28" idx="3"/>
+            <a:endCxn id="91" idx="1"/>
+          </p:cNvCxnSpPr>
+          <p:nvPr/>
+        </p:nvCxnSpPr>
+        <p:spPr>
+          <a:xfrm>
+            <a:off x="3276600" y="4762500"/>
+            <a:ext cx="1981200" cy="0"/>
+          </a:xfrm>
+          <a:prstGeom prst="straightConnector1">
+            <a:avLst/>
+          </a:prstGeom>
+          <a:ln>
+            <a:solidFill>
+              <a:srgbClr val="00B050"/>
+            </a:solidFill>
+            <a:tailEnd type="triangle"/>
+          </a:ln>
+        </p:spPr>
+        <p:style>
+          <a:lnRef idx="1">
+            <a:schemeClr val="accent1"/>
+          </a:lnRef>
+          <a:fillRef idx="0">
+            <a:schemeClr val="accent1"/>
+          </a:fillRef>
+          <a:effectRef idx="0">
+            <a:schemeClr val="accent1"/>
+          </a:effectRef>
+          <a:fontRef idx="minor">
+            <a:schemeClr val="tx1"/>
+          </a:fontRef>
+        </p:style>
+      </p:cxnSp>
+      <p:cxnSp>
+        <p:nvCxnSpPr>
+          <p:cNvPr id="111" name="Straight Arrow Connector 110"/>
+          <p:cNvCxnSpPr>
+            <a:stCxn id="86" idx="1"/>
+            <a:endCxn id="26" idx="3"/>
+          </p:cNvCxnSpPr>
+          <p:nvPr/>
+        </p:nvCxnSpPr>
+        <p:spPr>
+          <a:xfrm flipH="1">
+            <a:off x="3086100" y="4211880"/>
+            <a:ext cx="2095500" cy="0"/>
+          </a:xfrm>
+          <a:prstGeom prst="straightConnector1">
+            <a:avLst/>
+          </a:prstGeom>
+          <a:ln w="12700">
+            <a:solidFill>
+              <a:srgbClr val="00B050"/>
+            </a:solidFill>
+            <a:tailEnd type="triangle"/>
+          </a:ln>
+        </p:spPr>
+        <p:style>
+          <a:lnRef idx="1">
+            <a:schemeClr val="accent1"/>
+          </a:lnRef>
+          <a:fillRef idx="0">
+            <a:schemeClr val="accent1"/>
+          </a:fillRef>
+          <a:effectRef idx="0">
+            <a:schemeClr val="accent1"/>
+          </a:effectRef>
+          <a:fontRef idx="minor">
+            <a:schemeClr val="tx1"/>
+          </a:fontRef>
+        </p:style>
+      </p:cxnSp>
+      <p:sp>
+        <p:nvSpPr>
+          <p:cNvPr id="134" name="TextBox 133"/>
+          <p:cNvSpPr txBox="1"/>
+          <p:nvPr/>
+        </p:nvSpPr>
+        <p:spPr>
+          <a:xfrm>
+            <a:off x="3657600" y="2743200"/>
+            <a:ext cx="1562100" cy="430887"/>
+          </a:xfrm>
+          <a:prstGeom prst="rect">
+            <a:avLst/>
+          </a:prstGeom>
+          <a:noFill/>
+        </p:spPr>
+        <p:txBody>
+          <a:bodyPr wrap="square" rtlCol="0">
+            <a:spAutoFit/>
+          </a:bodyPr>
+          <a:lstStyle/>
+          <a:p>
+            <a:pPr algn="ctr"/>
+            <a:r>
+              <a:rPr lang="en-US" sz="1100" dirty="0">
+                <a:solidFill>
+                  <a:srgbClr val="00B050"/>
+                </a:solidFill>
+              </a:rPr>
+              <a:t>establishing connection 3-way handshake</a:t>
+            </a:r>
+          </a:p>
+        </p:txBody>
+      </p:sp>
+      <p:sp>
+        <p:nvSpPr>
+          <p:cNvPr id="135" name="TextBox 134"/>
+          <p:cNvSpPr txBox="1"/>
+          <p:nvPr/>
+        </p:nvSpPr>
+        <p:spPr>
+          <a:xfrm>
+            <a:off x="3657600" y="3343683"/>
+            <a:ext cx="1562100" cy="430887"/>
+          </a:xfrm>
+          <a:prstGeom prst="rect">
+            <a:avLst/>
+          </a:prstGeom>
+          <a:noFill/>
+        </p:spPr>
+        <p:txBody>
+          <a:bodyPr wrap="square" rtlCol="0">
+            <a:spAutoFit/>
+          </a:bodyPr>
+          <a:lstStyle/>
+          <a:p>
+            <a:pPr algn="ctr"/>
+            <a:r>
+              <a:rPr lang="en-US" sz="1100" dirty="0">
+                <a:solidFill>
+                  <a:srgbClr val="00B050"/>
+                </a:solidFill>
+              </a:rPr>
+              <a:t>client sending data, server receiving data</a:t>
+            </a:r>
+          </a:p>
+        </p:txBody>
+      </p:sp>
+      <p:sp>
+        <p:nvSpPr>
+          <p:cNvPr id="136" name="TextBox 135"/>
+          <p:cNvSpPr txBox="1"/>
+          <p:nvPr/>
+        </p:nvSpPr>
+        <p:spPr>
+          <a:xfrm>
+            <a:off x="3581400" y="3982820"/>
+            <a:ext cx="1562100" cy="430887"/>
+          </a:xfrm>
+          <a:prstGeom prst="rect">
+            <a:avLst/>
+          </a:prstGeom>
+          <a:noFill/>
+        </p:spPr>
+        <p:txBody>
+          <a:bodyPr wrap="square" rtlCol="0">
+            <a:spAutoFit/>
+          </a:bodyPr>
+          <a:lstStyle/>
+          <a:p>
+            <a:pPr algn="ctr"/>
+            <a:r>
+              <a:rPr lang="en-US" sz="1100" dirty="0">
+                <a:solidFill>
+                  <a:srgbClr val="00B050"/>
+                </a:solidFill>
+              </a:rPr>
+              <a:t>client receiving data, server sending data</a:t>
+            </a:r>
+          </a:p>
+        </p:txBody>
+      </p:sp>
+      <p:sp>
+        <p:nvSpPr>
+          <p:cNvPr id="137" name="TextBox 136"/>
+          <p:cNvSpPr txBox="1"/>
+          <p:nvPr/>
+        </p:nvSpPr>
+        <p:spPr>
+          <a:xfrm>
+            <a:off x="3581399" y="4529837"/>
+            <a:ext cx="1562100" cy="430887"/>
+          </a:xfrm>
+          <a:prstGeom prst="rect">
+            <a:avLst/>
+          </a:prstGeom>
+          <a:noFill/>
+        </p:spPr>
+        <p:txBody>
+          <a:bodyPr wrap="square" rtlCol="0">
+            <a:spAutoFit/>
+          </a:bodyPr>
+          <a:lstStyle/>
+          <a:p>
+            <a:pPr algn="ctr"/>
+            <a:r>
+              <a:rPr lang="en-US" sz="1100" dirty="0">
+                <a:solidFill>
+                  <a:srgbClr val="00B050"/>
+                </a:solidFill>
+              </a:rPr>
+              <a:t>client send an end message</a:t>
+            </a:r>
+          </a:p>
+        </p:txBody>
+      </p:sp>
+      <p:sp>
+        <p:nvSpPr>
+          <p:cNvPr id="144" name="Rectangular Callout 15"/>
+          <p:cNvSpPr/>
+          <p:nvPr/>
+        </p:nvSpPr>
+        <p:spPr>
+          <a:xfrm>
+            <a:off x="6750312" y="4586764"/>
+            <a:ext cx="1295400" cy="571501"/>
+          </a:xfrm>
+          <a:prstGeom prst="wedgeRectCallout">
+            <a:avLst>
+              <a:gd name="adj1" fmla="val -13319"/>
+              <a:gd name="adj2" fmla="val -85177"/>
+            </a:avLst>
+          </a:prstGeom>
+          <a:noFill/>
+          <a:ln w="9525">
+            <a:solidFill>
+              <a:schemeClr val="tx1"/>
+            </a:solidFill>
+            <a:prstDash val="sysDot"/>
           </a:ln>
         </p:spPr>
         <p:style>
@@ -5677,67 +5653,173 @@
           <a:p>
             <a:pPr algn="ctr"/>
             <a:r>
-              <a:rPr lang="en-US" sz="1200" dirty="0" smtClean="0">
+              <a:rPr lang="en-US" sz="1000" dirty="0">
                 <a:solidFill>
-                  <a:schemeClr val="tx2"/>
+                  <a:schemeClr val="tx1"/>
                 </a:solidFill>
               </a:rPr>
-              <a:t>listen</a:t>
-            </a:r>
-            <a:endParaRPr lang="en-US" sz="1200" dirty="0">
-              <a:solidFill>
-                <a:schemeClr val="tx2"/>
-              </a:solidFill>
-            </a:endParaRPr>
-          </a:p>
-        </p:txBody>
-      </p:sp>
-      <p:sp>
-        <p:nvSpPr>
-          <p:cNvPr id="117" name="TextBox 116"/>
-          <p:cNvSpPr txBox="1"/>
-          <p:nvPr/>
-        </p:nvSpPr>
-        <p:spPr>
-          <a:xfrm>
-            <a:off x="5867400" y="2695345"/>
-            <a:ext cx="1219200" cy="246221"/>
+              <a:t>some parameters need to be passed to windows program</a:t>
+            </a:r>
+          </a:p>
+        </p:txBody>
+      </p:sp>
+      <p:sp>
+        <p:nvSpPr>
+          <p:cNvPr id="154" name="Rectangle 153"/>
+          <p:cNvSpPr/>
+          <p:nvPr/>
+        </p:nvSpPr>
+        <p:spPr>
+          <a:xfrm>
+            <a:off x="381000" y="2695345"/>
+            <a:ext cx="7923225" cy="2600555"/>
           </a:xfrm>
           <a:prstGeom prst="rect">
             <a:avLst/>
           </a:prstGeom>
           <a:noFill/>
-        </p:spPr>
-        <p:txBody>
-          <a:bodyPr wrap="square" rtlCol="0">
-            <a:spAutoFit/>
-          </a:bodyPr>
-          <a:lstStyle/>
-          <a:p>
-            <a:r>
-              <a:rPr lang="en-US" sz="1000" dirty="0">
-                <a:solidFill>
-                  <a:schemeClr val="tx2"/>
-                </a:solidFill>
-              </a:rPr>
-              <a:t>b</a:t>
-            </a:r>
-            <a:r>
-              <a:rPr lang="en-US" sz="1000" dirty="0" smtClean="0">
-                <a:solidFill>
-                  <a:schemeClr val="tx2"/>
-                </a:solidFill>
-              </a:rPr>
-              <a:t>ind socket to port</a:t>
-            </a:r>
-            <a:endParaRPr lang="en-US" sz="1000" dirty="0">
-              <a:solidFill>
-                <a:schemeClr val="tx2"/>
-              </a:solidFill>
-            </a:endParaRPr>
-          </a:p>
-        </p:txBody>
-      </p:sp>
+          <a:ln w="9525">
+            <a:solidFill>
+              <a:srgbClr val="00B050"/>
+            </a:solidFill>
+            <a:prstDash val="dashDot"/>
+          </a:ln>
+        </p:spPr>
+        <p:style>
+          <a:lnRef idx="2">
+            <a:schemeClr val="accent1">
+              <a:shade val="50000"/>
+            </a:schemeClr>
+          </a:lnRef>
+          <a:fillRef idx="1">
+            <a:schemeClr val="accent1"/>
+          </a:fillRef>
+          <a:effectRef idx="0">
+            <a:schemeClr val="accent1"/>
+          </a:effectRef>
+          <a:fontRef idx="minor">
+            <a:schemeClr val="lt1"/>
+          </a:fontRef>
+        </p:style>
+        <p:txBody>
+          <a:bodyPr rtlCol="0" anchor="ctr"/>
+          <a:lstStyle/>
+          <a:p>
+            <a:pPr algn="ctr"/>
+            <a:endParaRPr lang="en-CA"/>
+          </a:p>
+        </p:txBody>
+      </p:sp>
+      <p:cxnSp>
+        <p:nvCxnSpPr>
+          <p:cNvPr id="205" name="Straight Connector 204"/>
+          <p:cNvCxnSpPr>
+            <a:stCxn id="93" idx="3"/>
+          </p:cNvCxnSpPr>
+          <p:nvPr/>
+        </p:nvCxnSpPr>
+        <p:spPr>
+          <a:xfrm flipV="1">
+            <a:off x="6705599" y="5715000"/>
+            <a:ext cx="1905000" cy="945"/>
+          </a:xfrm>
+          <a:prstGeom prst="line">
+            <a:avLst/>
+          </a:prstGeom>
+          <a:ln w="12700">
+            <a:solidFill>
+              <a:schemeClr val="tx1"/>
+            </a:solidFill>
+          </a:ln>
+        </p:spPr>
+        <p:style>
+          <a:lnRef idx="1">
+            <a:schemeClr val="accent1"/>
+          </a:lnRef>
+          <a:fillRef idx="0">
+            <a:schemeClr val="accent1"/>
+          </a:fillRef>
+          <a:effectRef idx="0">
+            <a:schemeClr val="accent1"/>
+          </a:effectRef>
+          <a:fontRef idx="minor">
+            <a:schemeClr val="tx1"/>
+          </a:fontRef>
+        </p:style>
+      </p:cxnSp>
+      <p:cxnSp>
+        <p:nvCxnSpPr>
+          <p:cNvPr id="207" name="Straight Connector 206"/>
+          <p:cNvCxnSpPr/>
+          <p:nvPr/>
+        </p:nvCxnSpPr>
+        <p:spPr>
+          <a:xfrm flipH="1" flipV="1">
+            <a:off x="8610599" y="1485900"/>
+            <a:ext cx="1" cy="4229101"/>
+          </a:xfrm>
+          <a:prstGeom prst="line">
+            <a:avLst/>
+          </a:prstGeom>
+          <a:ln w="12700">
+            <a:solidFill>
+              <a:schemeClr val="tx1"/>
+            </a:solidFill>
+          </a:ln>
+        </p:spPr>
+        <p:style>
+          <a:lnRef idx="1">
+            <a:schemeClr val="accent1"/>
+          </a:lnRef>
+          <a:fillRef idx="0">
+            <a:schemeClr val="accent1"/>
+          </a:fillRef>
+          <a:effectRef idx="0">
+            <a:schemeClr val="accent1"/>
+          </a:effectRef>
+          <a:fontRef idx="minor">
+            <a:schemeClr val="tx1"/>
+          </a:fontRef>
+        </p:style>
+      </p:cxnSp>
+      <p:cxnSp>
+        <p:nvCxnSpPr>
+          <p:cNvPr id="209" name="Straight Arrow Connector 208"/>
+          <p:cNvCxnSpPr>
+            <a:endCxn id="76" idx="3"/>
+          </p:cNvCxnSpPr>
+          <p:nvPr/>
+        </p:nvCxnSpPr>
+        <p:spPr>
+          <a:xfrm flipH="1" flipV="1">
+            <a:off x="6705600" y="1485900"/>
+            <a:ext cx="1904999" cy="1530"/>
+          </a:xfrm>
+          <a:prstGeom prst="straightConnector1">
+            <a:avLst/>
+          </a:prstGeom>
+          <a:ln w="12700">
+            <a:solidFill>
+              <a:schemeClr val="tx1"/>
+            </a:solidFill>
+            <a:tailEnd type="triangle"/>
+          </a:ln>
+        </p:spPr>
+        <p:style>
+          <a:lnRef idx="1">
+            <a:schemeClr val="accent1"/>
+          </a:lnRef>
+          <a:fillRef idx="0">
+            <a:schemeClr val="accent1"/>
+          </a:fillRef>
+          <a:effectRef idx="0">
+            <a:schemeClr val="accent1"/>
+          </a:effectRef>
+          <a:fontRef idx="minor">
+            <a:schemeClr val="tx1"/>
+          </a:fontRef>
+        </p:style>
+      </p:cxnSp>
     </p:spTree>
     <p:extLst>
       <p:ext uri="{BB962C8B-B14F-4D97-AF65-F5344CB8AC3E}">
